--- a/clases/Cap02_Extraccion_de_Caracteristicas/presentations/PAT02_Ejercicio_111_Texturas.pptx
+++ b/clases/Cap02_Extraccion_de_Caracteristicas/presentations/PAT02_Ejercicio_111_Texturas.pptx
@@ -212,7 +212,7 @@
           <a:p>
             <a:fld id="{FA3AA01D-6B85-5A4E-BAEE-62A41445B4EE}" type="datetimeFigureOut">
               <a:rPr lang="en-US" smtClean="0"/>
-              <a:t>3/23/17</a:t>
+              <a:t>3/7/19</a:t>
             </a:fld>
             <a:endParaRPr lang="en-US"/>
           </a:p>
@@ -749,7 +749,7 @@
           <a:p>
             <a:fld id="{4FDCCE24-03B9-DF4D-B92C-1C16EC88C120}" type="datetimeFigureOut">
               <a:rPr lang="en-US" smtClean="0"/>
-              <a:t>3/23/17</a:t>
+              <a:t>3/7/19</a:t>
             </a:fld>
             <a:endParaRPr lang="en-US"/>
           </a:p>
@@ -919,7 +919,7 @@
           <a:p>
             <a:fld id="{4FDCCE24-03B9-DF4D-B92C-1C16EC88C120}" type="datetimeFigureOut">
               <a:rPr lang="en-US" smtClean="0"/>
-              <a:t>3/23/17</a:t>
+              <a:t>3/7/19</a:t>
             </a:fld>
             <a:endParaRPr lang="en-US"/>
           </a:p>
@@ -1099,7 +1099,7 @@
           <a:p>
             <a:fld id="{4FDCCE24-03B9-DF4D-B92C-1C16EC88C120}" type="datetimeFigureOut">
               <a:rPr lang="en-US" smtClean="0"/>
-              <a:t>3/23/17</a:t>
+              <a:t>3/7/19</a:t>
             </a:fld>
             <a:endParaRPr lang="en-US"/>
           </a:p>
@@ -1269,7 +1269,7 @@
           <a:p>
             <a:fld id="{4FDCCE24-03B9-DF4D-B92C-1C16EC88C120}" type="datetimeFigureOut">
               <a:rPr lang="en-US" smtClean="0"/>
-              <a:t>3/23/17</a:t>
+              <a:t>3/7/19</a:t>
             </a:fld>
             <a:endParaRPr lang="en-US"/>
           </a:p>
@@ -1515,7 +1515,7 @@
           <a:p>
             <a:fld id="{4FDCCE24-03B9-DF4D-B92C-1C16EC88C120}" type="datetimeFigureOut">
               <a:rPr lang="en-US" smtClean="0"/>
-              <a:t>3/23/17</a:t>
+              <a:t>3/7/19</a:t>
             </a:fld>
             <a:endParaRPr lang="en-US"/>
           </a:p>
@@ -1803,7 +1803,7 @@
           <a:p>
             <a:fld id="{4FDCCE24-03B9-DF4D-B92C-1C16EC88C120}" type="datetimeFigureOut">
               <a:rPr lang="en-US" smtClean="0"/>
-              <a:t>3/23/17</a:t>
+              <a:t>3/7/19</a:t>
             </a:fld>
             <a:endParaRPr lang="en-US"/>
           </a:p>
@@ -2225,7 +2225,7 @@
           <a:p>
             <a:fld id="{4FDCCE24-03B9-DF4D-B92C-1C16EC88C120}" type="datetimeFigureOut">
               <a:rPr lang="en-US" smtClean="0"/>
-              <a:t>3/23/17</a:t>
+              <a:t>3/7/19</a:t>
             </a:fld>
             <a:endParaRPr lang="en-US"/>
           </a:p>
@@ -2343,7 +2343,7 @@
           <a:p>
             <a:fld id="{4FDCCE24-03B9-DF4D-B92C-1C16EC88C120}" type="datetimeFigureOut">
               <a:rPr lang="en-US" smtClean="0"/>
-              <a:t>3/23/17</a:t>
+              <a:t>3/7/19</a:t>
             </a:fld>
             <a:endParaRPr lang="en-US"/>
           </a:p>
@@ -2438,7 +2438,7 @@
           <a:p>
             <a:fld id="{4FDCCE24-03B9-DF4D-B92C-1C16EC88C120}" type="datetimeFigureOut">
               <a:rPr lang="en-US" smtClean="0"/>
-              <a:t>3/23/17</a:t>
+              <a:t>3/7/19</a:t>
             </a:fld>
             <a:endParaRPr lang="en-US"/>
           </a:p>
@@ -2715,7 +2715,7 @@
           <a:p>
             <a:fld id="{4FDCCE24-03B9-DF4D-B92C-1C16EC88C120}" type="datetimeFigureOut">
               <a:rPr lang="en-US" smtClean="0"/>
-              <a:t>3/23/17</a:t>
+              <a:t>3/7/19</a:t>
             </a:fld>
             <a:endParaRPr lang="en-US"/>
           </a:p>
@@ -2968,7 +2968,7 @@
           <a:p>
             <a:fld id="{4FDCCE24-03B9-DF4D-B92C-1C16EC88C120}" type="datetimeFigureOut">
               <a:rPr lang="en-US" smtClean="0"/>
-              <a:t>3/23/17</a:t>
+              <a:t>3/7/19</a:t>
             </a:fld>
             <a:endParaRPr lang="en-US"/>
           </a:p>
@@ -3181,7 +3181,7 @@
           <a:p>
             <a:fld id="{4FDCCE24-03B9-DF4D-B92C-1C16EC88C120}" type="datetimeFigureOut">
               <a:rPr lang="en-US" smtClean="0"/>
-              <a:t>3/23/17</a:t>
+              <a:t>3/7/19</a:t>
             </a:fld>
             <a:endParaRPr lang="en-US"/>
           </a:p>
@@ -3981,28 +3981,6 @@
           </a:p>
           <a:p>
             <a:pPr algn="ctr"/>
-            <a:r>
-              <a:rPr lang="es-CL" sz="1200" dirty="0" smtClean="0">
-                <a:solidFill>
-                  <a:schemeClr val="bg1">
-                    <a:lumMod val="75000"/>
-                  </a:schemeClr>
-                </a:solidFill>
-                <a:latin typeface="Trebuchet MS" pitchFamily="34" charset="0"/>
-              </a:rPr>
-              <a:t>Semestre </a:t>
-            </a:r>
-            <a:r>
-              <a:rPr lang="es-CL" sz="1200" dirty="0" smtClean="0">
-                <a:solidFill>
-                  <a:schemeClr val="bg1">
-                    <a:lumMod val="75000"/>
-                  </a:schemeClr>
-                </a:solidFill>
-                <a:latin typeface="Trebuchet MS" pitchFamily="34" charset="0"/>
-              </a:rPr>
-              <a:t>2017-1</a:t>
-            </a:r>
             <a:endParaRPr lang="en-US" sz="1200" dirty="0">
               <a:solidFill>
                 <a:schemeClr val="bg1">
